--- a/KPMGInternship/Sprocket Final_Bhavik.pptx
+++ b/KPMGInternship/Sprocket Final_Bhavik.pptx
@@ -46037,7 +46037,7 @@
           </a:ln>
           <a:extLst>
             <a:ext uri="{C572A759-6A51-4108-AA02-DFA0A04FC94B}">
-              <ma14:wrappingTextBoxFlag xmlns:ma14="http://schemas.microsoft.com/office/mac/drawingml/2011/main" xmlns="" val="1"/>
+              <ma14:wrappingTextBoxFlag xmlns="" xmlns:ma14="http://schemas.microsoft.com/office/mac/drawingml/2011/main" val="1"/>
             </a:ext>
           </a:extLst>
         </p:spPr>
@@ -46076,7 +46076,7 @@
           </a:ln>
           <a:extLst>
             <a:ext uri="{C572A759-6A51-4108-AA02-DFA0A04FC94B}">
-              <ma14:wrappingTextBoxFlag xmlns:ma14="http://schemas.microsoft.com/office/mac/drawingml/2011/main" xmlns="" val="1"/>
+              <ma14:wrappingTextBoxFlag xmlns="" xmlns:ma14="http://schemas.microsoft.com/office/mac/drawingml/2011/main" val="1"/>
             </a:ext>
           </a:extLst>
         </p:spPr>
@@ -47136,7 +47136,7 @@
           </a:ln>
           <a:extLst>
             <a:ext uri="{C572A759-6A51-4108-AA02-DFA0A04FC94B}">
-              <ma14:wrappingTextBoxFlag xmlns:ma14="http://schemas.microsoft.com/office/mac/drawingml/2011/main" xmlns="" val="1"/>
+              <ma14:wrappingTextBoxFlag xmlns="" xmlns:ma14="http://schemas.microsoft.com/office/mac/drawingml/2011/main" val="1"/>
             </a:ext>
           </a:extLst>
         </p:spPr>
@@ -47183,7 +47183,7 @@
           </a:ln>
           <a:extLst>
             <a:ext uri="{C572A759-6A51-4108-AA02-DFA0A04FC94B}">
-              <ma14:wrappingTextBoxFlag xmlns:ma14="http://schemas.microsoft.com/office/mac/drawingml/2011/main" xmlns="" val="1"/>
+              <ma14:wrappingTextBoxFlag xmlns="" xmlns:ma14="http://schemas.microsoft.com/office/mac/drawingml/2011/main" val="1"/>
             </a:ext>
           </a:extLst>
         </p:spPr>
@@ -47257,7 +47257,7 @@
           </a:ln>
           <a:extLst>
             <a:ext uri="{C572A759-6A51-4108-AA02-DFA0A04FC94B}">
-              <ma14:wrappingTextBoxFlag xmlns:ma14="http://schemas.microsoft.com/office/mac/drawingml/2011/main" xmlns="" val="1"/>
+              <ma14:wrappingTextBoxFlag xmlns="" xmlns:ma14="http://schemas.microsoft.com/office/mac/drawingml/2011/main" val="1"/>
             </a:ext>
           </a:extLst>
         </p:spPr>
@@ -47316,7 +47316,7 @@
           </a:ln>
           <a:extLst>
             <a:ext uri="{C572A759-6A51-4108-AA02-DFA0A04FC94B}">
-              <ma14:wrappingTextBoxFlag xmlns:ma14="http://schemas.microsoft.com/office/mac/drawingml/2011/main" xmlns="" val="1"/>
+              <ma14:wrappingTextBoxFlag xmlns="" xmlns:ma14="http://schemas.microsoft.com/office/mac/drawingml/2011/main" val="1"/>
             </a:ext>
           </a:extLst>
         </p:spPr>
@@ -47424,7 +47424,7 @@
           </a:ln>
           <a:extLst>
             <a:ext uri="{C572A759-6A51-4108-AA02-DFA0A04FC94B}">
-              <ma14:wrappingTextBoxFlag xmlns:ma14="http://schemas.microsoft.com/office/mac/drawingml/2011/main" xmlns="" val="1"/>
+              <ma14:wrappingTextBoxFlag xmlns="" xmlns:ma14="http://schemas.microsoft.com/office/mac/drawingml/2011/main" val="1"/>
             </a:ext>
           </a:extLst>
         </p:spPr>
@@ -47467,7 +47467,7 @@
           </a:ln>
           <a:extLst>
             <a:ext uri="{C572A759-6A51-4108-AA02-DFA0A04FC94B}">
-              <ma14:wrappingTextBoxFlag xmlns:ma14="http://schemas.microsoft.com/office/mac/drawingml/2011/main" xmlns="" val="1"/>
+              <ma14:wrappingTextBoxFlag xmlns="" xmlns:ma14="http://schemas.microsoft.com/office/mac/drawingml/2011/main" val="1"/>
             </a:ext>
           </a:extLst>
         </p:spPr>
@@ -47516,7 +47516,7 @@
           </a:ln>
           <a:extLst>
             <a:ext uri="{C572A759-6A51-4108-AA02-DFA0A04FC94B}">
-              <ma14:wrappingTextBoxFlag xmlns:ma14="http://schemas.microsoft.com/office/mac/drawingml/2011/main" xmlns="" val="1"/>
+              <ma14:wrappingTextBoxFlag xmlns="" xmlns:ma14="http://schemas.microsoft.com/office/mac/drawingml/2011/main" val="1"/>
             </a:ext>
           </a:extLst>
         </p:spPr>
@@ -47586,7 +47586,7 @@
           </a:ln>
           <a:extLst>
             <a:ext uri="{C572A759-6A51-4108-AA02-DFA0A04FC94B}">
-              <ma14:wrappingTextBoxFlag xmlns:ma14="http://schemas.microsoft.com/office/mac/drawingml/2011/main" xmlns="" val="1"/>
+              <ma14:wrappingTextBoxFlag xmlns="" xmlns:ma14="http://schemas.microsoft.com/office/mac/drawingml/2011/main" val="1"/>
             </a:ext>
           </a:extLst>
         </p:spPr>
@@ -47724,7 +47724,7 @@
           </a:ln>
           <a:extLst>
             <a:ext uri="{C572A759-6A51-4108-AA02-DFA0A04FC94B}">
-              <ma14:wrappingTextBoxFlag xmlns="" xmlns:ma14="http://schemas.microsoft.com/office/mac/drawingml/2011/main" val="1"/>
+              <ma14:wrappingTextBoxFlag xmlns:ma14="http://schemas.microsoft.com/office/mac/drawingml/2011/main" xmlns="" val="1"/>
             </a:ext>
           </a:extLst>
         </p:spPr>
@@ -47767,7 +47767,7 @@
           </a:ln>
           <a:extLst>
             <a:ext uri="{C572A759-6A51-4108-AA02-DFA0A04FC94B}">
-              <ma14:wrappingTextBoxFlag xmlns="" xmlns:ma14="http://schemas.microsoft.com/office/mac/drawingml/2011/main" val="1"/>
+              <ma14:wrappingTextBoxFlag xmlns:ma14="http://schemas.microsoft.com/office/mac/drawingml/2011/main" xmlns="" val="1"/>
             </a:ext>
           </a:extLst>
         </p:spPr>
@@ -47816,7 +47816,7 @@
           </a:ln>
           <a:extLst>
             <a:ext uri="{C572A759-6A51-4108-AA02-DFA0A04FC94B}">
-              <ma14:wrappingTextBoxFlag xmlns="" xmlns:ma14="http://schemas.microsoft.com/office/mac/drawingml/2011/main" val="1"/>
+              <ma14:wrappingTextBoxFlag xmlns:ma14="http://schemas.microsoft.com/office/mac/drawingml/2011/main" xmlns="" val="1"/>
             </a:ext>
           </a:extLst>
         </p:spPr>
@@ -47903,7 +47903,7 @@
           </a:ln>
           <a:extLst>
             <a:ext uri="{C572A759-6A51-4108-AA02-DFA0A04FC94B}">
-              <ma14:wrappingTextBoxFlag xmlns="" xmlns:ma14="http://schemas.microsoft.com/office/mac/drawingml/2011/main" val="1"/>
+              <ma14:wrappingTextBoxFlag xmlns:ma14="http://schemas.microsoft.com/office/mac/drawingml/2011/main" xmlns="" val="1"/>
             </a:ext>
           </a:extLst>
         </p:spPr>
@@ -48046,7 +48046,7 @@
           </a:ln>
           <a:extLst>
             <a:ext uri="{C572A759-6A51-4108-AA02-DFA0A04FC94B}">
-              <ma14:wrappingTextBoxFlag xmlns:ma14="http://schemas.microsoft.com/office/mac/drawingml/2011/main" xmlns="" val="1"/>
+              <ma14:wrappingTextBoxFlag xmlns="" xmlns:ma14="http://schemas.microsoft.com/office/mac/drawingml/2011/main" val="1"/>
             </a:ext>
           </a:extLst>
         </p:spPr>
@@ -48091,7 +48091,7 @@
           </a:ln>
           <a:extLst>
             <a:ext uri="{C572A759-6A51-4108-AA02-DFA0A04FC94B}">
-              <ma14:wrappingTextBoxFlag xmlns:ma14="http://schemas.microsoft.com/office/mac/drawingml/2011/main" xmlns="" val="1"/>
+              <ma14:wrappingTextBoxFlag xmlns="" xmlns:ma14="http://schemas.microsoft.com/office/mac/drawingml/2011/main" val="1"/>
             </a:ext>
           </a:extLst>
         </p:spPr>
@@ -48140,7 +48140,7 @@
           </a:ln>
           <a:extLst>
             <a:ext uri="{C572A759-6A51-4108-AA02-DFA0A04FC94B}">
-              <ma14:wrappingTextBoxFlag xmlns:ma14="http://schemas.microsoft.com/office/mac/drawingml/2011/main" xmlns="" val="1"/>
+              <ma14:wrappingTextBoxFlag xmlns="" xmlns:ma14="http://schemas.microsoft.com/office/mac/drawingml/2011/main" val="1"/>
             </a:ext>
           </a:extLst>
         </p:spPr>
@@ -48197,7 +48197,7 @@
           </a:ln>
           <a:extLst>
             <a:ext uri="{C572A759-6A51-4108-AA02-DFA0A04FC94B}">
-              <ma14:wrappingTextBoxFlag xmlns:ma14="http://schemas.microsoft.com/office/mac/drawingml/2011/main" xmlns="" val="1"/>
+              <ma14:wrappingTextBoxFlag xmlns="" xmlns:ma14="http://schemas.microsoft.com/office/mac/drawingml/2011/main" val="1"/>
             </a:ext>
           </a:extLst>
         </p:spPr>
@@ -48370,7 +48370,7 @@
           </a:ln>
           <a:extLst>
             <a:ext uri="{C572A759-6A51-4108-AA02-DFA0A04FC94B}">
-              <ma14:wrappingTextBoxFlag xmlns="" xmlns:ma14="http://schemas.microsoft.com/office/mac/drawingml/2011/main" val="1"/>
+              <ma14:wrappingTextBoxFlag xmlns:ma14="http://schemas.microsoft.com/office/mac/drawingml/2011/main" xmlns="" val="1"/>
             </a:ext>
           </a:extLst>
         </p:spPr>
@@ -48415,7 +48415,7 @@
           </a:ln>
           <a:extLst>
             <a:ext uri="{C572A759-6A51-4108-AA02-DFA0A04FC94B}">
-              <ma14:wrappingTextBoxFlag xmlns="" xmlns:ma14="http://schemas.microsoft.com/office/mac/drawingml/2011/main" val="1"/>
+              <ma14:wrappingTextBoxFlag xmlns:ma14="http://schemas.microsoft.com/office/mac/drawingml/2011/main" xmlns="" val="1"/>
             </a:ext>
           </a:extLst>
         </p:spPr>
@@ -48467,7 +48467,7 @@
           </a:ln>
           <a:extLst>
             <a:ext uri="{C572A759-6A51-4108-AA02-DFA0A04FC94B}">
-              <ma14:wrappingTextBoxFlag xmlns="" xmlns:ma14="http://schemas.microsoft.com/office/mac/drawingml/2011/main" val="1"/>
+              <ma14:wrappingTextBoxFlag xmlns:ma14="http://schemas.microsoft.com/office/mac/drawingml/2011/main" xmlns="" val="1"/>
             </a:ext>
           </a:extLst>
         </p:spPr>
@@ -49298,7 +49298,7 @@
           </a:ln>
           <a:extLst>
             <a:ext uri="{C572A759-6A51-4108-AA02-DFA0A04FC94B}">
-              <ma14:wrappingTextBoxFlag xmlns:ma14="http://schemas.microsoft.com/office/mac/drawingml/2011/main" xmlns="" val="1"/>
+              <ma14:wrappingTextBoxFlag xmlns="" xmlns:ma14="http://schemas.microsoft.com/office/mac/drawingml/2011/main" val="1"/>
             </a:ext>
           </a:extLst>
         </p:spPr>
@@ -49348,7 +49348,7 @@
           </a:ln>
           <a:extLst>
             <a:ext uri="{C572A759-6A51-4108-AA02-DFA0A04FC94B}">
-              <ma14:wrappingTextBoxFlag xmlns:ma14="http://schemas.microsoft.com/office/mac/drawingml/2011/main" xmlns="" val="1"/>
+              <ma14:wrappingTextBoxFlag xmlns="" xmlns:ma14="http://schemas.microsoft.com/office/mac/drawingml/2011/main" val="1"/>
             </a:ext>
           </a:extLst>
         </p:spPr>
@@ -49456,7 +49456,7 @@
           </a:ln>
           <a:extLst>
             <a:ext uri="{C572A759-6A51-4108-AA02-DFA0A04FC94B}">
-              <ma14:wrappingTextBoxFlag xmlns:ma14="http://schemas.microsoft.com/office/mac/drawingml/2011/main" xmlns="" val="1"/>
+              <ma14:wrappingTextBoxFlag xmlns="" xmlns:ma14="http://schemas.microsoft.com/office/mac/drawingml/2011/main" val="1"/>
             </a:ext>
           </a:extLst>
         </p:spPr>
@@ -49489,7 +49489,7 @@
         <p:spPr>
           <a:xfrm>
             <a:off x="205025" y="1083299"/>
-            <a:ext cx="8565600" cy="862063"/>
+            <a:ext cx="8565600" cy="1216070"/>
           </a:xfrm>
           <a:prstGeom prst="rect">
             <a:avLst/>
@@ -49499,7 +49499,7 @@
           </a:ln>
           <a:extLst>
             <a:ext uri="{C572A759-6A51-4108-AA02-DFA0A04FC94B}">
-              <ma14:wrappingTextBoxFlag xmlns:ma14="http://schemas.microsoft.com/office/mac/drawingml/2011/main" xmlns="" val="1"/>
+              <ma14:wrappingTextBoxFlag xmlns="" xmlns:ma14="http://schemas.microsoft.com/office/mac/drawingml/2011/main" val="1"/>
             </a:ext>
           </a:extLst>
         </p:spPr>
@@ -49527,6 +49527,54 @@
             </a:r>
           </a:p>
           <a:p>
+            <a:r>
+              <a:rPr lang="en-US" dirty="0">
+                <a:hlinkClick r:id="rId2"/>
+              </a:rPr>
+              <a:t>https://</a:t>
+            </a:r>
+            <a:r>
+              <a:rPr lang="en-US" dirty="0" err="1">
+                <a:hlinkClick r:id="rId2"/>
+              </a:rPr>
+              <a:t>github.com</a:t>
+            </a:r>
+            <a:r>
+              <a:rPr lang="en-US" dirty="0">
+                <a:hlinkClick r:id="rId2"/>
+              </a:rPr>
+              <a:t>/</a:t>
+            </a:r>
+            <a:r>
+              <a:rPr lang="en-US" dirty="0" err="1">
+                <a:hlinkClick r:id="rId2"/>
+              </a:rPr>
+              <a:t>AjinkyaBhavik</a:t>
+            </a:r>
+            <a:r>
+              <a:rPr lang="en-US" dirty="0">
+                <a:hlinkClick r:id="rId2"/>
+              </a:rPr>
+              <a:t>/</a:t>
+            </a:r>
+            <a:r>
+              <a:rPr lang="en-US" dirty="0" err="1">
+                <a:hlinkClick r:id="rId2"/>
+              </a:rPr>
+              <a:t>MyAcademicProjects</a:t>
+            </a:r>
+            <a:r>
+              <a:rPr lang="en-US" dirty="0">
+                <a:hlinkClick r:id="rId2"/>
+              </a:rPr>
+              <a:t>/tree/master/</a:t>
+            </a:r>
+            <a:r>
+              <a:rPr lang="en-US" dirty="0" err="1">
+                <a:hlinkClick r:id="rId2"/>
+              </a:rPr>
+              <a:t>KPMGInternship</a:t>
+            </a:r>
             <a:endParaRPr dirty="0"/>
           </a:p>
         </p:txBody>
@@ -49553,7 +49601,7 @@
           </a:ln>
           <a:extLst>
             <a:ext uri="{C572A759-6A51-4108-AA02-DFA0A04FC94B}">
-              <ma14:wrappingTextBoxFlag xmlns:ma14="http://schemas.microsoft.com/office/mac/drawingml/2011/main" xmlns="" val="1"/>
+              <ma14:wrappingTextBoxFlag xmlns="" xmlns:ma14="http://schemas.microsoft.com/office/mac/drawingml/2011/main" val="1"/>
             </a:ext>
           </a:extLst>
         </p:spPr>
@@ -49661,7 +49709,7 @@
           </a:ln>
           <a:extLst>
             <a:ext uri="{C572A759-6A51-4108-AA02-DFA0A04FC94B}">
-              <ma14:wrappingTextBoxFlag xmlns:ma14="http://schemas.microsoft.com/office/mac/drawingml/2011/main" xmlns="" val="1"/>
+              <ma14:wrappingTextBoxFlag xmlns="" xmlns:ma14="http://schemas.microsoft.com/office/mac/drawingml/2011/main" val="1"/>
             </a:ext>
           </a:extLst>
         </p:spPr>
@@ -49704,7 +49752,7 @@
           </a:ln>
           <a:extLst>
             <a:ext uri="{C572A759-6A51-4108-AA02-DFA0A04FC94B}">
-              <ma14:wrappingTextBoxFlag xmlns:ma14="http://schemas.microsoft.com/office/mac/drawingml/2011/main" xmlns="" val="1"/>
+              <ma14:wrappingTextBoxFlag xmlns="" xmlns:ma14="http://schemas.microsoft.com/office/mac/drawingml/2011/main" val="1"/>
             </a:ext>
           </a:extLst>
         </p:spPr>
@@ -49825,7 +49873,7 @@
           </a:ln>
           <a:extLst>
             <a:ext uri="{C572A759-6A51-4108-AA02-DFA0A04FC94B}">
-              <ma14:wrappingTextBoxFlag xmlns:ma14="http://schemas.microsoft.com/office/mac/drawingml/2011/main" xmlns="" val="1"/>
+              <ma14:wrappingTextBoxFlag xmlns="" xmlns:ma14="http://schemas.microsoft.com/office/mac/drawingml/2011/main" val="1"/>
             </a:ext>
           </a:extLst>
         </p:spPr>
@@ -49933,7 +49981,7 @@
           </a:ln>
           <a:extLst>
             <a:ext uri="{C572A759-6A51-4108-AA02-DFA0A04FC94B}">
-              <ma14:wrappingTextBoxFlag xmlns:ma14="http://schemas.microsoft.com/office/mac/drawingml/2011/main" xmlns="" val="1"/>
+              <ma14:wrappingTextBoxFlag xmlns="" xmlns:ma14="http://schemas.microsoft.com/office/mac/drawingml/2011/main" val="1"/>
             </a:ext>
           </a:extLst>
         </p:spPr>
@@ -49977,7 +50025,7 @@
           </a:ln>
           <a:extLst>
             <a:ext uri="{C572A759-6A51-4108-AA02-DFA0A04FC94B}">
-              <ma14:wrappingTextBoxFlag xmlns:ma14="http://schemas.microsoft.com/office/mac/drawingml/2011/main" xmlns="" val="1"/>
+              <ma14:wrappingTextBoxFlag xmlns="" xmlns:ma14="http://schemas.microsoft.com/office/mac/drawingml/2011/main" val="1"/>
             </a:ext>
           </a:extLst>
         </p:spPr>
@@ -50026,7 +50074,7 @@
           </a:ln>
           <a:extLst>
             <a:ext uri="{C572A759-6A51-4108-AA02-DFA0A04FC94B}">
-              <ma14:wrappingTextBoxFlag xmlns:ma14="http://schemas.microsoft.com/office/mac/drawingml/2011/main" xmlns="" val="1"/>
+              <ma14:wrappingTextBoxFlag xmlns="" xmlns:ma14="http://schemas.microsoft.com/office/mac/drawingml/2011/main" val="1"/>
             </a:ext>
           </a:extLst>
         </p:spPr>
@@ -50077,7 +50125,7 @@
           </a:ln>
           <a:extLst>
             <a:ext uri="{C572A759-6A51-4108-AA02-DFA0A04FC94B}">
-              <ma14:wrappingTextBoxFlag xmlns:ma14="http://schemas.microsoft.com/office/mac/drawingml/2011/main" xmlns="" val="1"/>
+              <ma14:wrappingTextBoxFlag xmlns="" xmlns:ma14="http://schemas.microsoft.com/office/mac/drawingml/2011/main" val="1"/>
             </a:ext>
           </a:extLst>
         </p:spPr>
@@ -50128,7 +50176,7 @@
           </a:ln>
           <a:extLst>
             <a:ext uri="{C572A759-6A51-4108-AA02-DFA0A04FC94B}">
-              <ma14:wrappingTextBoxFlag xmlns:ma14="http://schemas.microsoft.com/office/mac/drawingml/2011/main" xmlns="" val="1"/>
+              <ma14:wrappingTextBoxFlag xmlns="" xmlns:ma14="http://schemas.microsoft.com/office/mac/drawingml/2011/main" val="1"/>
             </a:ext>
           </a:extLst>
         </p:spPr>
@@ -50307,7 +50355,7 @@
           </a:ln>
           <a:extLst>
             <a:ext uri="{C572A759-6A51-4108-AA02-DFA0A04FC94B}">
-              <ma14:wrappingTextBoxFlag xmlns:ma14="http://schemas.microsoft.com/office/mac/drawingml/2011/main" xmlns="" val="1"/>
+              <ma14:wrappingTextBoxFlag xmlns="" xmlns:ma14="http://schemas.microsoft.com/office/mac/drawingml/2011/main" val="1"/>
             </a:ext>
           </a:extLst>
         </p:spPr>
@@ -50350,7 +50398,7 @@
           </a:ln>
           <a:extLst>
             <a:ext uri="{C572A759-6A51-4108-AA02-DFA0A04FC94B}">
-              <ma14:wrappingTextBoxFlag xmlns:ma14="http://schemas.microsoft.com/office/mac/drawingml/2011/main" xmlns="" val="1"/>
+              <ma14:wrappingTextBoxFlag xmlns="" xmlns:ma14="http://schemas.microsoft.com/office/mac/drawingml/2011/main" val="1"/>
             </a:ext>
           </a:extLst>
         </p:spPr>
@@ -50398,7 +50446,7 @@
           </a:ln>
           <a:extLst>
             <a:ext uri="{C572A759-6A51-4108-AA02-DFA0A04FC94B}">
-              <ma14:wrappingTextBoxFlag xmlns:ma14="http://schemas.microsoft.com/office/mac/drawingml/2011/main" xmlns="" val="1"/>
+              <ma14:wrappingTextBoxFlag xmlns="" xmlns:ma14="http://schemas.microsoft.com/office/mac/drawingml/2011/main" val="1"/>
             </a:ext>
           </a:extLst>
         </p:spPr>
@@ -50500,7 +50548,7 @@
           </a:ln>
           <a:extLst>
             <a:ext uri="{C572A759-6A51-4108-AA02-DFA0A04FC94B}">
-              <ma14:wrappingTextBoxFlag xmlns:ma14="http://schemas.microsoft.com/office/mac/drawingml/2011/main" xmlns="" val="1"/>
+              <ma14:wrappingTextBoxFlag xmlns="" xmlns:ma14="http://schemas.microsoft.com/office/mac/drawingml/2011/main" val="1"/>
             </a:ext>
           </a:extLst>
         </p:spPr>
@@ -50608,7 +50656,7 @@
           </a:ln>
           <a:extLst>
             <a:ext uri="{C572A759-6A51-4108-AA02-DFA0A04FC94B}">
-              <ma14:wrappingTextBoxFlag xmlns="" xmlns:ma14="http://schemas.microsoft.com/office/mac/drawingml/2011/main" val="1"/>
+              <ma14:wrappingTextBoxFlag xmlns:ma14="http://schemas.microsoft.com/office/mac/drawingml/2011/main" xmlns="" val="1"/>
             </a:ext>
           </a:extLst>
         </p:spPr>
@@ -50651,7 +50699,7 @@
           </a:ln>
           <a:extLst>
             <a:ext uri="{C572A759-6A51-4108-AA02-DFA0A04FC94B}">
-              <ma14:wrappingTextBoxFlag xmlns="" xmlns:ma14="http://schemas.microsoft.com/office/mac/drawingml/2011/main" val="1"/>
+              <ma14:wrappingTextBoxFlag xmlns:ma14="http://schemas.microsoft.com/office/mac/drawingml/2011/main" xmlns="" val="1"/>
             </a:ext>
           </a:extLst>
         </p:spPr>
@@ -50699,7 +50747,7 @@
           </a:ln>
           <a:extLst>
             <a:ext uri="{C572A759-6A51-4108-AA02-DFA0A04FC94B}">
-              <ma14:wrappingTextBoxFlag xmlns="" xmlns:ma14="http://schemas.microsoft.com/office/mac/drawingml/2011/main" val="1"/>
+              <ma14:wrappingTextBoxFlag xmlns:ma14="http://schemas.microsoft.com/office/mac/drawingml/2011/main" xmlns="" val="1"/>
             </a:ext>
           </a:extLst>
         </p:spPr>
@@ -50790,7 +50838,7 @@
           </a:ln>
           <a:extLst>
             <a:ext uri="{C572A759-6A51-4108-AA02-DFA0A04FC94B}">
-              <ma14:wrappingTextBoxFlag xmlns="" xmlns:ma14="http://schemas.microsoft.com/office/mac/drawingml/2011/main" val="1"/>
+              <ma14:wrappingTextBoxFlag xmlns:ma14="http://schemas.microsoft.com/office/mac/drawingml/2011/main" xmlns="" val="1"/>
             </a:ext>
           </a:extLst>
         </p:spPr>
@@ -50831,6 +50879,562 @@
 </file>
 
 <file path=ppt/slides/slide6.xml><?xml version="1.0" encoding="utf-8"?>
+<p:sld xmlns:a="http://schemas.openxmlformats.org/drawingml/2006/main" xmlns:r="http://schemas.openxmlformats.org/officeDocument/2006/relationships" xmlns:p="http://schemas.openxmlformats.org/presentationml/2006/main">
+  <p:cSld>
+    <p:spTree>
+      <p:nvGrpSpPr>
+        <p:cNvPr id="1" name=""/>
+        <p:cNvGrpSpPr/>
+        <p:nvPr/>
+      </p:nvGrpSpPr>
+      <p:grpSpPr>
+        <a:xfrm>
+          <a:off x="0" y="0"/>
+          <a:ext cx="0" cy="0"/>
+          <a:chOff x="0" y="0"/>
+          <a:chExt cx="0" cy="0"/>
+        </a:xfrm>
+      </p:grpSpPr>
+      <p:sp>
+        <p:nvSpPr>
+          <p:cNvPr id="130" name="Shape 79"/>
+          <p:cNvSpPr/>
+          <p:nvPr/>
+        </p:nvSpPr>
+        <p:spPr>
+          <a:xfrm>
+            <a:off x="-47402" y="0"/>
+            <a:ext cx="9191402" cy="840000"/>
+          </a:xfrm>
+          <a:prstGeom prst="rect">
+            <a:avLst/>
+          </a:prstGeom>
+          <a:gradFill>
+            <a:gsLst>
+              <a:gs pos="0">
+                <a:srgbClr val="1077D2"/>
+              </a:gs>
+              <a:gs pos="100000">
+                <a:srgbClr val="093153"/>
+              </a:gs>
+            </a:gsLst>
+            <a:lin ang="12000143"/>
+          </a:gradFill>
+          <a:ln w="12700">
+            <a:miter lim="400000"/>
+          </a:ln>
+        </p:spPr>
+        <p:txBody>
+          <a:bodyPr lIns="45719" rIns="45719" anchor="ctr"/>
+          <a:lstStyle/>
+          <a:p>
+            <a:endParaRPr/>
+          </a:p>
+        </p:txBody>
+      </p:sp>
+      <p:sp>
+        <p:nvSpPr>
+          <p:cNvPr id="131" name="Shape 80"/>
+          <p:cNvSpPr/>
+          <p:nvPr/>
+        </p:nvSpPr>
+        <p:spPr>
+          <a:xfrm>
+            <a:off x="205025" y="263974"/>
+            <a:ext cx="8565600" cy="466642"/>
+          </a:xfrm>
+          <a:prstGeom prst="rect">
+            <a:avLst/>
+          </a:prstGeom>
+          <a:ln w="12700">
+            <a:miter lim="400000"/>
+          </a:ln>
+          <a:extLst>
+            <a:ext uri="{C572A759-6A51-4108-AA02-DFA0A04FC94B}">
+              <ma14:wrappingTextBoxFlag xmlns="" xmlns:ma14="http://schemas.microsoft.com/office/mac/drawingml/2011/main" val="1"/>
+            </a:ext>
+          </a:extLst>
+        </p:spPr>
+        <p:txBody>
+          <a:bodyPr lIns="91424" tIns="91424" rIns="91424" bIns="91424">
+            <a:spAutoFit/>
+          </a:bodyPr>
+          <a:lstStyle>
+            <a:lvl1pPr>
+              <a:defRPr sz="2000" b="1">
+                <a:solidFill>
+                  <a:srgbClr val="FFFFFF"/>
+                </a:solidFill>
+              </a:defRPr>
+            </a:lvl1pPr>
+          </a:lstStyle>
+          <a:p>
+            <a:r>
+              <a:t>Data Exploration</a:t>
+            </a:r>
+          </a:p>
+        </p:txBody>
+      </p:sp>
+      <p:sp>
+        <p:nvSpPr>
+          <p:cNvPr id="132" name="Shape 81"/>
+          <p:cNvSpPr/>
+          <p:nvPr/>
+        </p:nvSpPr>
+        <p:spPr>
+          <a:xfrm>
+            <a:off x="103863" y="842180"/>
+            <a:ext cx="8565600" cy="508184"/>
+          </a:xfrm>
+          <a:prstGeom prst="rect">
+            <a:avLst/>
+          </a:prstGeom>
+          <a:ln w="12700">
+            <a:miter lim="400000"/>
+          </a:ln>
+          <a:extLst>
+            <a:ext uri="{C572A759-6A51-4108-AA02-DFA0A04FC94B}">
+              <ma14:wrappingTextBoxFlag xmlns="" xmlns:ma14="http://schemas.microsoft.com/office/mac/drawingml/2011/main" val="1"/>
+            </a:ext>
+          </a:extLst>
+        </p:spPr>
+        <p:txBody>
+          <a:bodyPr lIns="91424" tIns="91424" rIns="91424" bIns="91424">
+            <a:spAutoFit/>
+          </a:bodyPr>
+          <a:lstStyle>
+            <a:lvl1pPr>
+              <a:lnSpc>
+                <a:spcPct val="115000"/>
+              </a:lnSpc>
+              <a:defRPr sz="2000" b="1">
+                <a:latin typeface="Open Sans"/>
+                <a:ea typeface="Open Sans"/>
+                <a:cs typeface="Open Sans"/>
+                <a:sym typeface="Open Sans"/>
+              </a:defRPr>
+            </a:lvl1pPr>
+          </a:lstStyle>
+          <a:p>
+            <a:r>
+              <a:rPr lang="en-US" dirty="0"/>
+              <a:t>New and Old Customers Age Distribution</a:t>
+            </a:r>
+          </a:p>
+        </p:txBody>
+      </p:sp>
+      <p:sp>
+        <p:nvSpPr>
+          <p:cNvPr id="133" name="Shape 82"/>
+          <p:cNvSpPr/>
+          <p:nvPr/>
+        </p:nvSpPr>
+        <p:spPr>
+          <a:xfrm>
+            <a:off x="5734519" y="849220"/>
+            <a:ext cx="3305618" cy="362567"/>
+          </a:xfrm>
+          <a:prstGeom prst="rect">
+            <a:avLst/>
+          </a:prstGeom>
+          <a:ln w="12700">
+            <a:miter lim="400000"/>
+          </a:ln>
+          <a:extLst>
+            <a:ext uri="{C572A759-6A51-4108-AA02-DFA0A04FC94B}">
+              <ma14:wrappingTextBoxFlag xmlns="" xmlns:ma14="http://schemas.microsoft.com/office/mac/drawingml/2011/main" val="1"/>
+            </a:ext>
+          </a:extLst>
+        </p:spPr>
+        <p:txBody>
+          <a:bodyPr wrap="square" lIns="91424" tIns="91424" rIns="91424" bIns="91424">
+            <a:spAutoFit/>
+          </a:bodyPr>
+          <a:lstStyle>
+            <a:lvl1pPr>
+              <a:lnSpc>
+                <a:spcPct val="115000"/>
+              </a:lnSpc>
+              <a:defRPr sz="1500">
+                <a:latin typeface="Open Sans"/>
+                <a:ea typeface="Open Sans"/>
+                <a:cs typeface="Open Sans"/>
+                <a:sym typeface="Open Sans"/>
+              </a:defRPr>
+            </a:lvl1pPr>
+          </a:lstStyle>
+          <a:p>
+            <a:r>
+              <a:rPr lang="en-US" sz="1100" dirty="0"/>
+              <a:t>New Customer Age Distribution</a:t>
+            </a:r>
+            <a:endParaRPr sz="1100" dirty="0"/>
+          </a:p>
+        </p:txBody>
+      </p:sp>
+      <p:sp>
+        <p:nvSpPr>
+          <p:cNvPr id="137" name="Note: The data and information in this document is reflective of a hypothetical situation and client. This document is to be used for KPMG Virtual Internship purposes only."/>
+          <p:cNvSpPr/>
+          <p:nvPr/>
+        </p:nvSpPr>
+        <p:spPr>
+          <a:xfrm>
+            <a:off x="-6201" y="-6350"/>
+            <a:ext cx="9175601" cy="238700"/>
+          </a:xfrm>
+          <a:prstGeom prst="rect">
+            <a:avLst/>
+          </a:prstGeom>
+          <a:solidFill>
+            <a:schemeClr val="accent3"/>
+          </a:solidFill>
+          <a:ln w="12700">
+            <a:miter lim="400000"/>
+          </a:ln>
+          <a:extLst>
+            <a:ext uri="{C572A759-6A51-4108-AA02-DFA0A04FC94B}">
+              <ma14:wrappingTextBoxFlag xmlns="" xmlns:ma14="http://schemas.microsoft.com/office/mac/drawingml/2011/main" val="1"/>
+            </a:ext>
+          </a:extLst>
+        </p:spPr>
+        <p:txBody>
+          <a:bodyPr lIns="45719" rIns="45719" anchor="ctr"/>
+          <a:lstStyle/>
+          <a:p>
+            <a:pPr defTabSz="457200">
+              <a:defRPr sz="500" b="1">
+                <a:latin typeface="Calibri"/>
+                <a:ea typeface="Calibri"/>
+                <a:cs typeface="Calibri"/>
+                <a:sym typeface="Calibri"/>
+              </a:defRPr>
+            </a:pPr>
+            <a:r>
+              <a:t>       Note: </a:t>
+            </a:r>
+            <a:r>
+              <a:rPr b="0"/>
+              <a:t>The data and information in this document is reflective of a hypothetical situation and client. This document is to be used for KPMG Virtual Internship purposes only. </a:t>
+            </a:r>
+          </a:p>
+        </p:txBody>
+      </p:sp>
+      <p:graphicFrame>
+        <p:nvGraphicFramePr>
+          <p:cNvPr id="8" name="Chart 7">
+            <a:extLst>
+              <a:ext uri="{FF2B5EF4-FFF2-40B4-BE49-F238E27FC236}">
+                <a16:creationId xmlns:a16="http://schemas.microsoft.com/office/drawing/2014/main" id="{657574A8-62A9-1D4B-BE26-C1D96EC4B213}"/>
+              </a:ext>
+            </a:extLst>
+          </p:cNvPr>
+          <p:cNvGraphicFramePr>
+            <a:graphicFrameLocks/>
+          </p:cNvGraphicFramePr>
+          <p:nvPr>
+            <p:extLst>
+              <p:ext uri="{D42A27DB-BD31-4B8C-83A1-F6EECF244321}">
+                <p14:modId xmlns:p14="http://schemas.microsoft.com/office/powerpoint/2010/main" val="2636478938"/>
+              </p:ext>
+            </p:extLst>
+          </p:nvPr>
+        </p:nvGraphicFramePr>
+        <p:xfrm>
+          <a:off x="5339444" y="1043738"/>
+          <a:ext cx="3167742" cy="1820635"/>
+        </p:xfrm>
+        <a:graphic>
+          <a:graphicData uri="http://schemas.openxmlformats.org/drawingml/2006/chart">
+            <c:chart xmlns:c="http://schemas.openxmlformats.org/drawingml/2006/chart" xmlns:r="http://schemas.openxmlformats.org/officeDocument/2006/relationships" r:id="rId2"/>
+          </a:graphicData>
+        </a:graphic>
+      </p:graphicFrame>
+      <p:graphicFrame>
+        <p:nvGraphicFramePr>
+          <p:cNvPr id="9" name="Chart 8">
+            <a:extLst>
+              <a:ext uri="{FF2B5EF4-FFF2-40B4-BE49-F238E27FC236}">
+                <a16:creationId xmlns:a16="http://schemas.microsoft.com/office/drawing/2014/main" id="{E6549ECE-887A-1D4F-86EB-F911CFEB9D6D}"/>
+              </a:ext>
+            </a:extLst>
+          </p:cNvPr>
+          <p:cNvGraphicFramePr>
+            <a:graphicFrameLocks/>
+          </p:cNvGraphicFramePr>
+          <p:nvPr>
+            <p:extLst>
+              <p:ext uri="{D42A27DB-BD31-4B8C-83A1-F6EECF244321}">
+                <p14:modId xmlns:p14="http://schemas.microsoft.com/office/powerpoint/2010/main" val="2027056815"/>
+              </p:ext>
+            </p:extLst>
+          </p:nvPr>
+        </p:nvGraphicFramePr>
+        <p:xfrm>
+          <a:off x="5270506" y="3065931"/>
+          <a:ext cx="3305618" cy="1820635"/>
+        </p:xfrm>
+        <a:graphic>
+          <a:graphicData uri="http://schemas.openxmlformats.org/drawingml/2006/chart">
+            <c:chart xmlns:c="http://schemas.openxmlformats.org/drawingml/2006/chart" xmlns:r="http://schemas.openxmlformats.org/officeDocument/2006/relationships" r:id="rId3"/>
+          </a:graphicData>
+        </a:graphic>
+      </p:graphicFrame>
+      <p:sp>
+        <p:nvSpPr>
+          <p:cNvPr id="11" name="Shape 82">
+            <a:extLst>
+              <a:ext uri="{FF2B5EF4-FFF2-40B4-BE49-F238E27FC236}">
+                <a16:creationId xmlns:a16="http://schemas.microsoft.com/office/drawing/2014/main" id="{20509F0E-800F-A44E-8BCD-8C8B1BCC517B}"/>
+              </a:ext>
+            </a:extLst>
+          </p:cNvPr>
+          <p:cNvSpPr/>
+          <p:nvPr/>
+        </p:nvSpPr>
+        <p:spPr>
+          <a:xfrm>
+            <a:off x="5734519" y="2791910"/>
+            <a:ext cx="3305618" cy="362567"/>
+          </a:xfrm>
+          <a:prstGeom prst="rect">
+            <a:avLst/>
+          </a:prstGeom>
+          <a:ln w="12700">
+            <a:miter lim="400000"/>
+          </a:ln>
+          <a:extLst>
+            <a:ext uri="{C572A759-6A51-4108-AA02-DFA0A04FC94B}">
+              <ma14:wrappingTextBoxFlag xmlns="" xmlns:ma14="http://schemas.microsoft.com/office/mac/drawingml/2011/main" val="1"/>
+            </a:ext>
+          </a:extLst>
+        </p:spPr>
+        <p:txBody>
+          <a:bodyPr wrap="square" lIns="91424" tIns="91424" rIns="91424" bIns="91424">
+            <a:spAutoFit/>
+          </a:bodyPr>
+          <a:lstStyle>
+            <a:lvl1pPr>
+              <a:lnSpc>
+                <a:spcPct val="115000"/>
+              </a:lnSpc>
+              <a:defRPr sz="1500">
+                <a:latin typeface="Open Sans"/>
+                <a:ea typeface="Open Sans"/>
+                <a:cs typeface="Open Sans"/>
+                <a:sym typeface="Open Sans"/>
+              </a:defRPr>
+            </a:lvl1pPr>
+          </a:lstStyle>
+          <a:p>
+            <a:r>
+              <a:rPr lang="en-US" sz="1100" dirty="0"/>
+              <a:t>Old Customer Age Distribution</a:t>
+            </a:r>
+            <a:endParaRPr sz="1100" dirty="0"/>
+          </a:p>
+        </p:txBody>
+      </p:sp>
+      <p:sp>
+        <p:nvSpPr>
+          <p:cNvPr id="4" name="Rectangle 3">
+            <a:extLst>
+              <a:ext uri="{FF2B5EF4-FFF2-40B4-BE49-F238E27FC236}">
+                <a16:creationId xmlns:a16="http://schemas.microsoft.com/office/drawing/2014/main" id="{0C52803B-74E6-1542-84C0-DE646A7CEFFB}"/>
+              </a:ext>
+            </a:extLst>
+          </p:cNvPr>
+          <p:cNvSpPr/>
+          <p:nvPr/>
+        </p:nvSpPr>
+        <p:spPr>
+          <a:xfrm>
+            <a:off x="205025" y="1554039"/>
+            <a:ext cx="4572000" cy="2893100"/>
+          </a:xfrm>
+          <a:prstGeom prst="rect">
+            <a:avLst/>
+          </a:prstGeom>
+        </p:spPr>
+        <p:txBody>
+          <a:bodyPr>
+            <a:spAutoFit/>
+          </a:bodyPr>
+          <a:lstStyle/>
+          <a:p>
+            <a:pPr marL="285750" indent="-285750">
+              <a:buFont typeface="Wingdings" pitchFamily="2" charset="2"/>
+              <a:buChar char="Ø"/>
+            </a:pPr>
+            <a:r>
+              <a:rPr lang="en-US" dirty="0"/>
+              <a:t>In the new distribution, most customers are aged between 40-49 years. In the old distribution, majority of customers are in the same age region i.e. 40-49 years.</a:t>
+            </a:r>
+          </a:p>
+          <a:p>
+            <a:endParaRPr lang="en-US" dirty="0"/>
+          </a:p>
+          <a:p>
+            <a:pPr marL="285750" indent="-285750">
+              <a:buFont typeface="Wingdings" pitchFamily="2" charset="2"/>
+              <a:buChar char="Ø"/>
+            </a:pPr>
+            <a:r>
+              <a:rPr lang="en-US" dirty="0"/>
+              <a:t>In terms of percentage, steep drop in the 30-39 age in the new age distribution while the percentage of under 25 years old doesn't show any significant change.</a:t>
+            </a:r>
+          </a:p>
+          <a:p>
+            <a:pPr marL="285750" indent="-285750">
+              <a:buFont typeface="Wingdings" pitchFamily="2" charset="2"/>
+              <a:buChar char="Ø"/>
+            </a:pPr>
+            <a:endParaRPr lang="en-US" dirty="0"/>
+          </a:p>
+          <a:p>
+            <a:pPr marL="285750" indent="-285750">
+              <a:buFont typeface="Wingdings" pitchFamily="2" charset="2"/>
+              <a:buChar char="Ø"/>
+            </a:pPr>
+            <a:r>
+              <a:rPr lang="en-US" dirty="0"/>
+              <a:t>The age group from 48-59 shows a big drop in percentages.</a:t>
+            </a:r>
+          </a:p>
+          <a:p>
+            <a:pPr marL="285750" indent="-285750">
+              <a:buFont typeface="Wingdings" pitchFamily="2" charset="2"/>
+              <a:buChar char="Ø"/>
+            </a:pPr>
+            <a:endParaRPr lang="en-US" dirty="0"/>
+          </a:p>
+        </p:txBody>
+      </p:sp>
+      <p:sp>
+        <p:nvSpPr>
+          <p:cNvPr id="13" name="Shape 82">
+            <a:extLst>
+              <a:ext uri="{FF2B5EF4-FFF2-40B4-BE49-F238E27FC236}">
+                <a16:creationId xmlns:a16="http://schemas.microsoft.com/office/drawing/2014/main" id="{ECB0385D-9AE1-C044-9119-095F31EC3AC0}"/>
+              </a:ext>
+            </a:extLst>
+          </p:cNvPr>
+          <p:cNvSpPr/>
+          <p:nvPr/>
+        </p:nvSpPr>
+        <p:spPr>
+          <a:xfrm rot="16200000">
+            <a:off x="4699800" y="1694193"/>
+            <a:ext cx="1141412" cy="362567"/>
+          </a:xfrm>
+          <a:prstGeom prst="rect">
+            <a:avLst/>
+          </a:prstGeom>
+          <a:ln w="12700">
+            <a:miter lim="400000"/>
+          </a:ln>
+          <a:extLst>
+            <a:ext uri="{C572A759-6A51-4108-AA02-DFA0A04FC94B}">
+              <ma14:wrappingTextBoxFlag xmlns="" xmlns:ma14="http://schemas.microsoft.com/office/mac/drawingml/2011/main" val="1"/>
+            </a:ext>
+          </a:extLst>
+        </p:spPr>
+        <p:txBody>
+          <a:bodyPr wrap="square" lIns="91424" tIns="91424" rIns="91424" bIns="91424">
+            <a:spAutoFit/>
+          </a:bodyPr>
+          <a:lstStyle>
+            <a:lvl1pPr>
+              <a:lnSpc>
+                <a:spcPct val="115000"/>
+              </a:lnSpc>
+              <a:defRPr sz="1500">
+                <a:latin typeface="Open Sans"/>
+                <a:ea typeface="Open Sans"/>
+                <a:cs typeface="Open Sans"/>
+                <a:sym typeface="Open Sans"/>
+              </a:defRPr>
+            </a:lvl1pPr>
+          </a:lstStyle>
+          <a:p>
+            <a:r>
+              <a:rPr lang="en-US" sz="1100" dirty="0"/>
+              <a:t>People Count</a:t>
+            </a:r>
+            <a:endParaRPr sz="1100" dirty="0"/>
+          </a:p>
+        </p:txBody>
+      </p:sp>
+      <p:sp>
+        <p:nvSpPr>
+          <p:cNvPr id="14" name="Shape 82">
+            <a:extLst>
+              <a:ext uri="{FF2B5EF4-FFF2-40B4-BE49-F238E27FC236}">
+                <a16:creationId xmlns:a16="http://schemas.microsoft.com/office/drawing/2014/main" id="{B3DA78B2-6AD5-FD45-A52D-BB272A14F936}"/>
+              </a:ext>
+            </a:extLst>
+          </p:cNvPr>
+          <p:cNvSpPr/>
+          <p:nvPr/>
+        </p:nvSpPr>
+        <p:spPr>
+          <a:xfrm rot="16200000">
+            <a:off x="4699801" y="3558163"/>
+            <a:ext cx="1141412" cy="362567"/>
+          </a:xfrm>
+          <a:prstGeom prst="rect">
+            <a:avLst/>
+          </a:prstGeom>
+          <a:ln w="12700">
+            <a:miter lim="400000"/>
+          </a:ln>
+          <a:extLst>
+            <a:ext uri="{C572A759-6A51-4108-AA02-DFA0A04FC94B}">
+              <ma14:wrappingTextBoxFlag xmlns="" xmlns:ma14="http://schemas.microsoft.com/office/mac/drawingml/2011/main" val="1"/>
+            </a:ext>
+          </a:extLst>
+        </p:spPr>
+        <p:txBody>
+          <a:bodyPr wrap="square" lIns="91424" tIns="91424" rIns="91424" bIns="91424">
+            <a:spAutoFit/>
+          </a:bodyPr>
+          <a:lstStyle>
+            <a:lvl1pPr>
+              <a:lnSpc>
+                <a:spcPct val="115000"/>
+              </a:lnSpc>
+              <a:defRPr sz="1500">
+                <a:latin typeface="Open Sans"/>
+                <a:ea typeface="Open Sans"/>
+                <a:cs typeface="Open Sans"/>
+                <a:sym typeface="Open Sans"/>
+              </a:defRPr>
+            </a:lvl1pPr>
+          </a:lstStyle>
+          <a:p>
+            <a:r>
+              <a:rPr lang="en-US" sz="1100" dirty="0"/>
+              <a:t>People Count</a:t>
+            </a:r>
+            <a:endParaRPr sz="1100" dirty="0"/>
+          </a:p>
+        </p:txBody>
+      </p:sp>
+    </p:spTree>
+    <p:extLst>
+      <p:ext uri="{BB962C8B-B14F-4D97-AF65-F5344CB8AC3E}">
+        <p14:creationId xmlns:p14="http://schemas.microsoft.com/office/powerpoint/2010/main" val="1109359844"/>
+      </p:ext>
+    </p:extLst>
+  </p:cSld>
+  <p:clrMapOvr>
+    <a:masterClrMapping/>
+  </p:clrMapOvr>
+  <p:transition spd="med"/>
+</p:sld>
+</file>
+
+<file path=ppt/slides/slide7.xml><?xml version="1.0" encoding="utf-8"?>
 <p:sld xmlns:a="http://schemas.openxmlformats.org/drawingml/2006/main" xmlns:r="http://schemas.openxmlformats.org/officeDocument/2006/relationships" xmlns:p="http://schemas.openxmlformats.org/presentationml/2006/main">
   <p:cSld>
     <p:spTree>
@@ -50970,7 +51574,7 @@
           <a:p>
             <a:r>
               <a:rPr lang="en-US" dirty="0"/>
-              <a:t>New and Old Customers Age Distribution</a:t>
+              <a:t>Wealth Segments</a:t>
             </a:r>
           </a:p>
         </p:txBody>
@@ -50983,8 +51587,8 @@
         </p:nvSpPr>
         <p:spPr>
           <a:xfrm>
-            <a:off x="5734519" y="849220"/>
-            <a:ext cx="3305618" cy="362567"/>
+            <a:off x="5852658" y="847243"/>
+            <a:ext cx="2658367" cy="362567"/>
           </a:xfrm>
           <a:prstGeom prst="rect">
             <a:avLst/>
@@ -51018,7 +51622,7 @@
           <a:p>
             <a:r>
               <a:rPr lang="en-US" sz="1100" dirty="0"/>
-              <a:t>New Customer Age Distribution</a:t>
+              <a:t>New Customer Wealth Distribution</a:t>
             </a:r>
             <a:endParaRPr sz="1100" dirty="0"/>
           </a:p>
@@ -51072,562 +51676,6 @@
           </a:p>
         </p:txBody>
       </p:sp>
-      <p:graphicFrame>
-        <p:nvGraphicFramePr>
-          <p:cNvPr id="8" name="Chart 7">
-            <a:extLst>
-              <a:ext uri="{FF2B5EF4-FFF2-40B4-BE49-F238E27FC236}">
-                <a16:creationId xmlns:a16="http://schemas.microsoft.com/office/drawing/2014/main" id="{657574A8-62A9-1D4B-BE26-C1D96EC4B213}"/>
-              </a:ext>
-            </a:extLst>
-          </p:cNvPr>
-          <p:cNvGraphicFramePr>
-            <a:graphicFrameLocks/>
-          </p:cNvGraphicFramePr>
-          <p:nvPr>
-            <p:extLst>
-              <p:ext uri="{D42A27DB-BD31-4B8C-83A1-F6EECF244321}">
-                <p14:modId xmlns:p14="http://schemas.microsoft.com/office/powerpoint/2010/main" val="2636478938"/>
-              </p:ext>
-            </p:extLst>
-          </p:nvPr>
-        </p:nvGraphicFramePr>
-        <p:xfrm>
-          <a:off x="5339444" y="1043738"/>
-          <a:ext cx="3167742" cy="1820635"/>
-        </p:xfrm>
-        <a:graphic>
-          <a:graphicData uri="http://schemas.openxmlformats.org/drawingml/2006/chart">
-            <c:chart xmlns:c="http://schemas.openxmlformats.org/drawingml/2006/chart" xmlns:r="http://schemas.openxmlformats.org/officeDocument/2006/relationships" r:id="rId2"/>
-          </a:graphicData>
-        </a:graphic>
-      </p:graphicFrame>
-      <p:graphicFrame>
-        <p:nvGraphicFramePr>
-          <p:cNvPr id="9" name="Chart 8">
-            <a:extLst>
-              <a:ext uri="{FF2B5EF4-FFF2-40B4-BE49-F238E27FC236}">
-                <a16:creationId xmlns:a16="http://schemas.microsoft.com/office/drawing/2014/main" id="{E6549ECE-887A-1D4F-86EB-F911CFEB9D6D}"/>
-              </a:ext>
-            </a:extLst>
-          </p:cNvPr>
-          <p:cNvGraphicFramePr>
-            <a:graphicFrameLocks/>
-          </p:cNvGraphicFramePr>
-          <p:nvPr>
-            <p:extLst>
-              <p:ext uri="{D42A27DB-BD31-4B8C-83A1-F6EECF244321}">
-                <p14:modId xmlns:p14="http://schemas.microsoft.com/office/powerpoint/2010/main" val="2027056815"/>
-              </p:ext>
-            </p:extLst>
-          </p:nvPr>
-        </p:nvGraphicFramePr>
-        <p:xfrm>
-          <a:off x="5270506" y="3065931"/>
-          <a:ext cx="3305618" cy="1820635"/>
-        </p:xfrm>
-        <a:graphic>
-          <a:graphicData uri="http://schemas.openxmlformats.org/drawingml/2006/chart">
-            <c:chart xmlns:c="http://schemas.openxmlformats.org/drawingml/2006/chart" xmlns:r="http://schemas.openxmlformats.org/officeDocument/2006/relationships" r:id="rId3"/>
-          </a:graphicData>
-        </a:graphic>
-      </p:graphicFrame>
-      <p:sp>
-        <p:nvSpPr>
-          <p:cNvPr id="11" name="Shape 82">
-            <a:extLst>
-              <a:ext uri="{FF2B5EF4-FFF2-40B4-BE49-F238E27FC236}">
-                <a16:creationId xmlns:a16="http://schemas.microsoft.com/office/drawing/2014/main" id="{20509F0E-800F-A44E-8BCD-8C8B1BCC517B}"/>
-              </a:ext>
-            </a:extLst>
-          </p:cNvPr>
-          <p:cNvSpPr/>
-          <p:nvPr/>
-        </p:nvSpPr>
-        <p:spPr>
-          <a:xfrm>
-            <a:off x="5734519" y="2791910"/>
-            <a:ext cx="3305618" cy="362567"/>
-          </a:xfrm>
-          <a:prstGeom prst="rect">
-            <a:avLst/>
-          </a:prstGeom>
-          <a:ln w="12700">
-            <a:miter lim="400000"/>
-          </a:ln>
-          <a:extLst>
-            <a:ext uri="{C572A759-6A51-4108-AA02-DFA0A04FC94B}">
-              <ma14:wrappingTextBoxFlag xmlns:ma14="http://schemas.microsoft.com/office/mac/drawingml/2011/main" xmlns="" val="1"/>
-            </a:ext>
-          </a:extLst>
-        </p:spPr>
-        <p:txBody>
-          <a:bodyPr wrap="square" lIns="91424" tIns="91424" rIns="91424" bIns="91424">
-            <a:spAutoFit/>
-          </a:bodyPr>
-          <a:lstStyle>
-            <a:lvl1pPr>
-              <a:lnSpc>
-                <a:spcPct val="115000"/>
-              </a:lnSpc>
-              <a:defRPr sz="1500">
-                <a:latin typeface="Open Sans"/>
-                <a:ea typeface="Open Sans"/>
-                <a:cs typeface="Open Sans"/>
-                <a:sym typeface="Open Sans"/>
-              </a:defRPr>
-            </a:lvl1pPr>
-          </a:lstStyle>
-          <a:p>
-            <a:r>
-              <a:rPr lang="en-US" sz="1100" dirty="0"/>
-              <a:t>Old Customer Age Distribution</a:t>
-            </a:r>
-            <a:endParaRPr sz="1100" dirty="0"/>
-          </a:p>
-        </p:txBody>
-      </p:sp>
-      <p:sp>
-        <p:nvSpPr>
-          <p:cNvPr id="4" name="Rectangle 3">
-            <a:extLst>
-              <a:ext uri="{FF2B5EF4-FFF2-40B4-BE49-F238E27FC236}">
-                <a16:creationId xmlns:a16="http://schemas.microsoft.com/office/drawing/2014/main" id="{0C52803B-74E6-1542-84C0-DE646A7CEFFB}"/>
-              </a:ext>
-            </a:extLst>
-          </p:cNvPr>
-          <p:cNvSpPr/>
-          <p:nvPr/>
-        </p:nvSpPr>
-        <p:spPr>
-          <a:xfrm>
-            <a:off x="205025" y="1554039"/>
-            <a:ext cx="4572000" cy="2893100"/>
-          </a:xfrm>
-          <a:prstGeom prst="rect">
-            <a:avLst/>
-          </a:prstGeom>
-        </p:spPr>
-        <p:txBody>
-          <a:bodyPr>
-            <a:spAutoFit/>
-          </a:bodyPr>
-          <a:lstStyle/>
-          <a:p>
-            <a:pPr marL="285750" indent="-285750">
-              <a:buFont typeface="Wingdings" pitchFamily="2" charset="2"/>
-              <a:buChar char="Ø"/>
-            </a:pPr>
-            <a:r>
-              <a:rPr lang="en-US" dirty="0"/>
-              <a:t>In the new distribution, most customers are aged between 40-49 years. In the old distribution, majority of customers are in the same age region i.e. 40-49 years.</a:t>
-            </a:r>
-          </a:p>
-          <a:p>
-            <a:endParaRPr lang="en-US" dirty="0"/>
-          </a:p>
-          <a:p>
-            <a:pPr marL="285750" indent="-285750">
-              <a:buFont typeface="Wingdings" pitchFamily="2" charset="2"/>
-              <a:buChar char="Ø"/>
-            </a:pPr>
-            <a:r>
-              <a:rPr lang="en-US" dirty="0"/>
-              <a:t>In terms of percentage, steep drop in the 30-39 age in the new age distribution while the percentage of under 25 years old doesn't show any significant change.</a:t>
-            </a:r>
-          </a:p>
-          <a:p>
-            <a:pPr marL="285750" indent="-285750">
-              <a:buFont typeface="Wingdings" pitchFamily="2" charset="2"/>
-              <a:buChar char="Ø"/>
-            </a:pPr>
-            <a:endParaRPr lang="en-US" dirty="0"/>
-          </a:p>
-          <a:p>
-            <a:pPr marL="285750" indent="-285750">
-              <a:buFont typeface="Wingdings" pitchFamily="2" charset="2"/>
-              <a:buChar char="Ø"/>
-            </a:pPr>
-            <a:r>
-              <a:rPr lang="en-US" dirty="0"/>
-              <a:t>The age group from 48-59 shows a big drop in percentages.</a:t>
-            </a:r>
-          </a:p>
-          <a:p>
-            <a:pPr marL="285750" indent="-285750">
-              <a:buFont typeface="Wingdings" pitchFamily="2" charset="2"/>
-              <a:buChar char="Ø"/>
-            </a:pPr>
-            <a:endParaRPr lang="en-US" dirty="0"/>
-          </a:p>
-        </p:txBody>
-      </p:sp>
-      <p:sp>
-        <p:nvSpPr>
-          <p:cNvPr id="13" name="Shape 82">
-            <a:extLst>
-              <a:ext uri="{FF2B5EF4-FFF2-40B4-BE49-F238E27FC236}">
-                <a16:creationId xmlns:a16="http://schemas.microsoft.com/office/drawing/2014/main" id="{ECB0385D-9AE1-C044-9119-095F31EC3AC0}"/>
-              </a:ext>
-            </a:extLst>
-          </p:cNvPr>
-          <p:cNvSpPr/>
-          <p:nvPr/>
-        </p:nvSpPr>
-        <p:spPr>
-          <a:xfrm rot="16200000">
-            <a:off x="4699800" y="1694193"/>
-            <a:ext cx="1141412" cy="362567"/>
-          </a:xfrm>
-          <a:prstGeom prst="rect">
-            <a:avLst/>
-          </a:prstGeom>
-          <a:ln w="12700">
-            <a:miter lim="400000"/>
-          </a:ln>
-          <a:extLst>
-            <a:ext uri="{C572A759-6A51-4108-AA02-DFA0A04FC94B}">
-              <ma14:wrappingTextBoxFlag xmlns:ma14="http://schemas.microsoft.com/office/mac/drawingml/2011/main" xmlns="" val="1"/>
-            </a:ext>
-          </a:extLst>
-        </p:spPr>
-        <p:txBody>
-          <a:bodyPr wrap="square" lIns="91424" tIns="91424" rIns="91424" bIns="91424">
-            <a:spAutoFit/>
-          </a:bodyPr>
-          <a:lstStyle>
-            <a:lvl1pPr>
-              <a:lnSpc>
-                <a:spcPct val="115000"/>
-              </a:lnSpc>
-              <a:defRPr sz="1500">
-                <a:latin typeface="Open Sans"/>
-                <a:ea typeface="Open Sans"/>
-                <a:cs typeface="Open Sans"/>
-                <a:sym typeface="Open Sans"/>
-              </a:defRPr>
-            </a:lvl1pPr>
-          </a:lstStyle>
-          <a:p>
-            <a:r>
-              <a:rPr lang="en-US" sz="1100" dirty="0"/>
-              <a:t>People Count</a:t>
-            </a:r>
-            <a:endParaRPr sz="1100" dirty="0"/>
-          </a:p>
-        </p:txBody>
-      </p:sp>
-      <p:sp>
-        <p:nvSpPr>
-          <p:cNvPr id="14" name="Shape 82">
-            <a:extLst>
-              <a:ext uri="{FF2B5EF4-FFF2-40B4-BE49-F238E27FC236}">
-                <a16:creationId xmlns:a16="http://schemas.microsoft.com/office/drawing/2014/main" id="{B3DA78B2-6AD5-FD45-A52D-BB272A14F936}"/>
-              </a:ext>
-            </a:extLst>
-          </p:cNvPr>
-          <p:cNvSpPr/>
-          <p:nvPr/>
-        </p:nvSpPr>
-        <p:spPr>
-          <a:xfrm rot="16200000">
-            <a:off x="4699801" y="3558163"/>
-            <a:ext cx="1141412" cy="362567"/>
-          </a:xfrm>
-          <a:prstGeom prst="rect">
-            <a:avLst/>
-          </a:prstGeom>
-          <a:ln w="12700">
-            <a:miter lim="400000"/>
-          </a:ln>
-          <a:extLst>
-            <a:ext uri="{C572A759-6A51-4108-AA02-DFA0A04FC94B}">
-              <ma14:wrappingTextBoxFlag xmlns:ma14="http://schemas.microsoft.com/office/mac/drawingml/2011/main" xmlns="" val="1"/>
-            </a:ext>
-          </a:extLst>
-        </p:spPr>
-        <p:txBody>
-          <a:bodyPr wrap="square" lIns="91424" tIns="91424" rIns="91424" bIns="91424">
-            <a:spAutoFit/>
-          </a:bodyPr>
-          <a:lstStyle>
-            <a:lvl1pPr>
-              <a:lnSpc>
-                <a:spcPct val="115000"/>
-              </a:lnSpc>
-              <a:defRPr sz="1500">
-                <a:latin typeface="Open Sans"/>
-                <a:ea typeface="Open Sans"/>
-                <a:cs typeface="Open Sans"/>
-                <a:sym typeface="Open Sans"/>
-              </a:defRPr>
-            </a:lvl1pPr>
-          </a:lstStyle>
-          <a:p>
-            <a:r>
-              <a:rPr lang="en-US" sz="1100" dirty="0"/>
-              <a:t>People Count</a:t>
-            </a:r>
-            <a:endParaRPr sz="1100" dirty="0"/>
-          </a:p>
-        </p:txBody>
-      </p:sp>
-    </p:spTree>
-    <p:extLst>
-      <p:ext uri="{BB962C8B-B14F-4D97-AF65-F5344CB8AC3E}">
-        <p14:creationId xmlns:p14="http://schemas.microsoft.com/office/powerpoint/2010/main" val="1109359844"/>
-      </p:ext>
-    </p:extLst>
-  </p:cSld>
-  <p:clrMapOvr>
-    <a:masterClrMapping/>
-  </p:clrMapOvr>
-  <p:transition spd="med"/>
-</p:sld>
-</file>
-
-<file path=ppt/slides/slide7.xml><?xml version="1.0" encoding="utf-8"?>
-<p:sld xmlns:a="http://schemas.openxmlformats.org/drawingml/2006/main" xmlns:r="http://schemas.openxmlformats.org/officeDocument/2006/relationships" xmlns:p="http://schemas.openxmlformats.org/presentationml/2006/main">
-  <p:cSld>
-    <p:spTree>
-      <p:nvGrpSpPr>
-        <p:cNvPr id="1" name=""/>
-        <p:cNvGrpSpPr/>
-        <p:nvPr/>
-      </p:nvGrpSpPr>
-      <p:grpSpPr>
-        <a:xfrm>
-          <a:off x="0" y="0"/>
-          <a:ext cx="0" cy="0"/>
-          <a:chOff x="0" y="0"/>
-          <a:chExt cx="0" cy="0"/>
-        </a:xfrm>
-      </p:grpSpPr>
-      <p:sp>
-        <p:nvSpPr>
-          <p:cNvPr id="130" name="Shape 79"/>
-          <p:cNvSpPr/>
-          <p:nvPr/>
-        </p:nvSpPr>
-        <p:spPr>
-          <a:xfrm>
-            <a:off x="-47402" y="0"/>
-            <a:ext cx="9191402" cy="840000"/>
-          </a:xfrm>
-          <a:prstGeom prst="rect">
-            <a:avLst/>
-          </a:prstGeom>
-          <a:gradFill>
-            <a:gsLst>
-              <a:gs pos="0">
-                <a:srgbClr val="1077D2"/>
-              </a:gs>
-              <a:gs pos="100000">
-                <a:srgbClr val="093153"/>
-              </a:gs>
-            </a:gsLst>
-            <a:lin ang="12000143"/>
-          </a:gradFill>
-          <a:ln w="12700">
-            <a:miter lim="400000"/>
-          </a:ln>
-        </p:spPr>
-        <p:txBody>
-          <a:bodyPr lIns="45719" rIns="45719" anchor="ctr"/>
-          <a:lstStyle/>
-          <a:p>
-            <a:endParaRPr/>
-          </a:p>
-        </p:txBody>
-      </p:sp>
-      <p:sp>
-        <p:nvSpPr>
-          <p:cNvPr id="131" name="Shape 80"/>
-          <p:cNvSpPr/>
-          <p:nvPr/>
-        </p:nvSpPr>
-        <p:spPr>
-          <a:xfrm>
-            <a:off x="205025" y="263974"/>
-            <a:ext cx="8565600" cy="466642"/>
-          </a:xfrm>
-          <a:prstGeom prst="rect">
-            <a:avLst/>
-          </a:prstGeom>
-          <a:ln w="12700">
-            <a:miter lim="400000"/>
-          </a:ln>
-          <a:extLst>
-            <a:ext uri="{C572A759-6A51-4108-AA02-DFA0A04FC94B}">
-              <ma14:wrappingTextBoxFlag xmlns="" xmlns:ma14="http://schemas.microsoft.com/office/mac/drawingml/2011/main" val="1"/>
-            </a:ext>
-          </a:extLst>
-        </p:spPr>
-        <p:txBody>
-          <a:bodyPr lIns="91424" tIns="91424" rIns="91424" bIns="91424">
-            <a:spAutoFit/>
-          </a:bodyPr>
-          <a:lstStyle>
-            <a:lvl1pPr>
-              <a:defRPr sz="2000" b="1">
-                <a:solidFill>
-                  <a:srgbClr val="FFFFFF"/>
-                </a:solidFill>
-              </a:defRPr>
-            </a:lvl1pPr>
-          </a:lstStyle>
-          <a:p>
-            <a:r>
-              <a:t>Data Exploration</a:t>
-            </a:r>
-          </a:p>
-        </p:txBody>
-      </p:sp>
-      <p:sp>
-        <p:nvSpPr>
-          <p:cNvPr id="132" name="Shape 81"/>
-          <p:cNvSpPr/>
-          <p:nvPr/>
-        </p:nvSpPr>
-        <p:spPr>
-          <a:xfrm>
-            <a:off x="103863" y="842180"/>
-            <a:ext cx="8565600" cy="508184"/>
-          </a:xfrm>
-          <a:prstGeom prst="rect">
-            <a:avLst/>
-          </a:prstGeom>
-          <a:ln w="12700">
-            <a:miter lim="400000"/>
-          </a:ln>
-          <a:extLst>
-            <a:ext uri="{C572A759-6A51-4108-AA02-DFA0A04FC94B}">
-              <ma14:wrappingTextBoxFlag xmlns="" xmlns:ma14="http://schemas.microsoft.com/office/mac/drawingml/2011/main" val="1"/>
-            </a:ext>
-          </a:extLst>
-        </p:spPr>
-        <p:txBody>
-          <a:bodyPr lIns="91424" tIns="91424" rIns="91424" bIns="91424">
-            <a:spAutoFit/>
-          </a:bodyPr>
-          <a:lstStyle>
-            <a:lvl1pPr>
-              <a:lnSpc>
-                <a:spcPct val="115000"/>
-              </a:lnSpc>
-              <a:defRPr sz="2000" b="1">
-                <a:latin typeface="Open Sans"/>
-                <a:ea typeface="Open Sans"/>
-                <a:cs typeface="Open Sans"/>
-                <a:sym typeface="Open Sans"/>
-              </a:defRPr>
-            </a:lvl1pPr>
-          </a:lstStyle>
-          <a:p>
-            <a:r>
-              <a:rPr lang="en-US" dirty="0"/>
-              <a:t>Wealth Segments</a:t>
-            </a:r>
-          </a:p>
-        </p:txBody>
-      </p:sp>
-      <p:sp>
-        <p:nvSpPr>
-          <p:cNvPr id="133" name="Shape 82"/>
-          <p:cNvSpPr/>
-          <p:nvPr/>
-        </p:nvSpPr>
-        <p:spPr>
-          <a:xfrm>
-            <a:off x="5852658" y="847243"/>
-            <a:ext cx="2658367" cy="362567"/>
-          </a:xfrm>
-          <a:prstGeom prst="rect">
-            <a:avLst/>
-          </a:prstGeom>
-          <a:ln w="12700">
-            <a:miter lim="400000"/>
-          </a:ln>
-          <a:extLst>
-            <a:ext uri="{C572A759-6A51-4108-AA02-DFA0A04FC94B}">
-              <ma14:wrappingTextBoxFlag xmlns="" xmlns:ma14="http://schemas.microsoft.com/office/mac/drawingml/2011/main" val="1"/>
-            </a:ext>
-          </a:extLst>
-        </p:spPr>
-        <p:txBody>
-          <a:bodyPr wrap="square" lIns="91424" tIns="91424" rIns="91424" bIns="91424">
-            <a:spAutoFit/>
-          </a:bodyPr>
-          <a:lstStyle>
-            <a:lvl1pPr>
-              <a:lnSpc>
-                <a:spcPct val="115000"/>
-              </a:lnSpc>
-              <a:defRPr sz="1500">
-                <a:latin typeface="Open Sans"/>
-                <a:ea typeface="Open Sans"/>
-                <a:cs typeface="Open Sans"/>
-                <a:sym typeface="Open Sans"/>
-              </a:defRPr>
-            </a:lvl1pPr>
-          </a:lstStyle>
-          <a:p>
-            <a:r>
-              <a:rPr lang="en-US" sz="1100" dirty="0"/>
-              <a:t>New Customer Wealth Distribution</a:t>
-            </a:r>
-            <a:endParaRPr sz="1100" dirty="0"/>
-          </a:p>
-        </p:txBody>
-      </p:sp>
-      <p:sp>
-        <p:nvSpPr>
-          <p:cNvPr id="137" name="Note: The data and information in this document is reflective of a hypothetical situation and client. This document is to be used for KPMG Virtual Internship purposes only."/>
-          <p:cNvSpPr/>
-          <p:nvPr/>
-        </p:nvSpPr>
-        <p:spPr>
-          <a:xfrm>
-            <a:off x="-6201" y="-6350"/>
-            <a:ext cx="9175601" cy="238700"/>
-          </a:xfrm>
-          <a:prstGeom prst="rect">
-            <a:avLst/>
-          </a:prstGeom>
-          <a:solidFill>
-            <a:schemeClr val="accent3"/>
-          </a:solidFill>
-          <a:ln w="12700">
-            <a:miter lim="400000"/>
-          </a:ln>
-          <a:extLst>
-            <a:ext uri="{C572A759-6A51-4108-AA02-DFA0A04FC94B}">
-              <ma14:wrappingTextBoxFlag xmlns="" xmlns:ma14="http://schemas.microsoft.com/office/mac/drawingml/2011/main" val="1"/>
-            </a:ext>
-          </a:extLst>
-        </p:spPr>
-        <p:txBody>
-          <a:bodyPr lIns="45719" rIns="45719" anchor="ctr"/>
-          <a:lstStyle/>
-          <a:p>
-            <a:pPr defTabSz="457200">
-              <a:defRPr sz="500" b="1">
-                <a:latin typeface="Calibri"/>
-                <a:ea typeface="Calibri"/>
-                <a:cs typeface="Calibri"/>
-                <a:sym typeface="Calibri"/>
-              </a:defRPr>
-            </a:pPr>
-            <a:r>
-              <a:t>       Note: </a:t>
-            </a:r>
-            <a:r>
-              <a:rPr b="0"/>
-              <a:t>The data and information in this document is reflective of a hypothetical situation and client. This document is to be used for KPMG Virtual Internship purposes only. </a:t>
-            </a:r>
-          </a:p>
-        </p:txBody>
-      </p:sp>
       <p:sp>
         <p:nvSpPr>
           <p:cNvPr id="11" name="Shape 82">
@@ -51653,7 +51701,7 @@
           </a:ln>
           <a:extLst>
             <a:ext uri="{C572A759-6A51-4108-AA02-DFA0A04FC94B}">
-              <ma14:wrappingTextBoxFlag xmlns="" xmlns:ma14="http://schemas.microsoft.com/office/mac/drawingml/2011/main" val="1"/>
+              <ma14:wrappingTextBoxFlag xmlns:ma14="http://schemas.microsoft.com/office/mac/drawingml/2011/main" xmlns="" val="1"/>
             </a:ext>
           </a:extLst>
         </p:spPr>
@@ -51787,7 +51835,7 @@
           </a:ln>
           <a:extLst>
             <a:ext uri="{C572A759-6A51-4108-AA02-DFA0A04FC94B}">
-              <ma14:wrappingTextBoxFlag xmlns="" xmlns:ma14="http://schemas.microsoft.com/office/mac/drawingml/2011/main" val="1"/>
+              <ma14:wrappingTextBoxFlag xmlns:ma14="http://schemas.microsoft.com/office/mac/drawingml/2011/main" xmlns="" val="1"/>
             </a:ext>
           </a:extLst>
         </p:spPr>
@@ -51842,7 +51890,7 @@
           </a:ln>
           <a:extLst>
             <a:ext uri="{C572A759-6A51-4108-AA02-DFA0A04FC94B}">
-              <ma14:wrappingTextBoxFlag xmlns="" xmlns:ma14="http://schemas.microsoft.com/office/mac/drawingml/2011/main" val="1"/>
+              <ma14:wrappingTextBoxFlag xmlns:ma14="http://schemas.microsoft.com/office/mac/drawingml/2011/main" xmlns="" val="1"/>
             </a:ext>
           </a:extLst>
         </p:spPr>
@@ -52019,7 +52067,7 @@
           </a:ln>
           <a:extLst>
             <a:ext uri="{C572A759-6A51-4108-AA02-DFA0A04FC94B}">
-              <ma14:wrappingTextBoxFlag xmlns="" xmlns:ma14="http://schemas.microsoft.com/office/mac/drawingml/2011/main" val="1"/>
+              <ma14:wrappingTextBoxFlag xmlns:ma14="http://schemas.microsoft.com/office/mac/drawingml/2011/main" xmlns="" val="1"/>
             </a:ext>
           </a:extLst>
         </p:spPr>
@@ -52062,7 +52110,7 @@
           </a:ln>
           <a:extLst>
             <a:ext uri="{C572A759-6A51-4108-AA02-DFA0A04FC94B}">
-              <ma14:wrappingTextBoxFlag xmlns="" xmlns:ma14="http://schemas.microsoft.com/office/mac/drawingml/2011/main" val="1"/>
+              <ma14:wrappingTextBoxFlag xmlns:ma14="http://schemas.microsoft.com/office/mac/drawingml/2011/main" xmlns="" val="1"/>
             </a:ext>
           </a:extLst>
         </p:spPr>
@@ -52113,7 +52161,7 @@
           </a:ln>
           <a:extLst>
             <a:ext uri="{C572A759-6A51-4108-AA02-DFA0A04FC94B}">
-              <ma14:wrappingTextBoxFlag xmlns="" xmlns:ma14="http://schemas.microsoft.com/office/mac/drawingml/2011/main" val="1"/>
+              <ma14:wrappingTextBoxFlag xmlns:ma14="http://schemas.microsoft.com/office/mac/drawingml/2011/main" xmlns="" val="1"/>
             </a:ext>
           </a:extLst>
         </p:spPr>
@@ -52218,7 +52266,7 @@
           </a:ln>
           <a:extLst>
             <a:ext uri="{C572A759-6A51-4108-AA02-DFA0A04FC94B}">
-              <ma14:wrappingTextBoxFlag xmlns="" xmlns:ma14="http://schemas.microsoft.com/office/mac/drawingml/2011/main" val="1"/>
+              <ma14:wrappingTextBoxFlag xmlns:ma14="http://schemas.microsoft.com/office/mac/drawingml/2011/main" xmlns="" val="1"/>
             </a:ext>
           </a:extLst>
         </p:spPr>
@@ -52365,7 +52413,7 @@
           </a:ln>
           <a:extLst>
             <a:ext uri="{C572A759-6A51-4108-AA02-DFA0A04FC94B}">
-              <ma14:wrappingTextBoxFlag xmlns="" xmlns:ma14="http://schemas.microsoft.com/office/mac/drawingml/2011/main" val="1"/>
+              <ma14:wrappingTextBoxFlag xmlns:ma14="http://schemas.microsoft.com/office/mac/drawingml/2011/main" xmlns="" val="1"/>
             </a:ext>
           </a:extLst>
         </p:spPr>
@@ -52408,7 +52456,7 @@
           </a:ln>
           <a:extLst>
             <a:ext uri="{C572A759-6A51-4108-AA02-DFA0A04FC94B}">
-              <ma14:wrappingTextBoxFlag xmlns="" xmlns:ma14="http://schemas.microsoft.com/office/mac/drawingml/2011/main" val="1"/>
+              <ma14:wrappingTextBoxFlag xmlns:ma14="http://schemas.microsoft.com/office/mac/drawingml/2011/main" xmlns="" val="1"/>
             </a:ext>
           </a:extLst>
         </p:spPr>
@@ -52459,7 +52507,7 @@
           </a:ln>
           <a:extLst>
             <a:ext uri="{C572A759-6A51-4108-AA02-DFA0A04FC94B}">
-              <ma14:wrappingTextBoxFlag xmlns="" xmlns:ma14="http://schemas.microsoft.com/office/mac/drawingml/2011/main" val="1"/>
+              <ma14:wrappingTextBoxFlag xmlns:ma14="http://schemas.microsoft.com/office/mac/drawingml/2011/main" xmlns="" val="1"/>
             </a:ext>
           </a:extLst>
         </p:spPr>
@@ -52510,7 +52558,7 @@
           </a:ln>
           <a:extLst>
             <a:ext uri="{C572A759-6A51-4108-AA02-DFA0A04FC94B}">
-              <ma14:wrappingTextBoxFlag xmlns="" xmlns:ma14="http://schemas.microsoft.com/office/mac/drawingml/2011/main" val="1"/>
+              <ma14:wrappingTextBoxFlag xmlns:ma14="http://schemas.microsoft.com/office/mac/drawingml/2011/main" xmlns="" val="1"/>
             </a:ext>
           </a:extLst>
         </p:spPr>
@@ -52565,7 +52613,7 @@
           </a:ln>
           <a:extLst>
             <a:ext uri="{C572A759-6A51-4108-AA02-DFA0A04FC94B}">
-              <ma14:wrappingTextBoxFlag xmlns="" xmlns:ma14="http://schemas.microsoft.com/office/mac/drawingml/2011/main" val="1"/>
+              <ma14:wrappingTextBoxFlag xmlns:ma14="http://schemas.microsoft.com/office/mac/drawingml/2011/main" xmlns="" val="1"/>
             </a:ext>
           </a:extLst>
         </p:spPr>
